--- a/winter/ppt/CPP Study Week 1.pptx
+++ b/winter/ppt/CPP Study Week 1.pptx
@@ -4020,6 +4020,46 @@
           </a:prstGeom>
         </p:spPr>
       </p:pic>
+      <p:sp>
+        <p:nvSpPr>
+          <p:cNvPr id="2" name="직사각형 1"/>
+          <p:cNvSpPr/>
+          <p:nvPr/>
+        </p:nvSpPr>
+        <p:spPr>
+          <a:xfrm>
+            <a:off x="5293511" y="2291839"/>
+            <a:ext cx="1265551" cy="257930"/>
+          </a:xfrm>
+          <a:prstGeom prst="rect">
+            <a:avLst/>
+          </a:prstGeom>
+        </p:spPr>
+        <p:style>
+          <a:lnRef idx="2">
+            <a:schemeClr val="dk1">
+              <a:shade val="50000"/>
+            </a:schemeClr>
+          </a:lnRef>
+          <a:fillRef idx="1">
+            <a:schemeClr val="dk1"/>
+          </a:fillRef>
+          <a:effectRef idx="0">
+            <a:schemeClr val="dk1"/>
+          </a:effectRef>
+          <a:fontRef idx="minor">
+            <a:schemeClr val="lt1"/>
+          </a:fontRef>
+        </p:style>
+        <p:txBody>
+          <a:bodyPr rtlCol="0" anchor="ctr"/>
+          <a:lstStyle/>
+          <a:p>
+            <a:pPr algn="ctr"/>
+            <a:endParaRPr lang="ko-KR" altLang="en-US"/>
+          </a:p>
+        </p:txBody>
+      </p:sp>
     </p:spTree>
     <p:extLst>
       <p:ext uri="{BB962C8B-B14F-4D97-AF65-F5344CB8AC3E}">
@@ -6439,6 +6479,46 @@
           </a:prstGeom>
         </p:spPr>
       </p:pic>
+      <p:sp>
+        <p:nvSpPr>
+          <p:cNvPr id="26" name="직사각형 25"/>
+          <p:cNvSpPr/>
+          <p:nvPr/>
+        </p:nvSpPr>
+        <p:spPr>
+          <a:xfrm>
+            <a:off x="6140652" y="4144979"/>
+            <a:ext cx="1473485" cy="321513"/>
+          </a:xfrm>
+          <a:prstGeom prst="rect">
+            <a:avLst/>
+          </a:prstGeom>
+        </p:spPr>
+        <p:style>
+          <a:lnRef idx="2">
+            <a:schemeClr val="dk1">
+              <a:shade val="50000"/>
+            </a:schemeClr>
+          </a:lnRef>
+          <a:fillRef idx="1">
+            <a:schemeClr val="dk1"/>
+          </a:fillRef>
+          <a:effectRef idx="0">
+            <a:schemeClr val="dk1"/>
+          </a:effectRef>
+          <a:fontRef idx="minor">
+            <a:schemeClr val="lt1"/>
+          </a:fontRef>
+        </p:style>
+        <p:txBody>
+          <a:bodyPr rtlCol="0" anchor="ctr"/>
+          <a:lstStyle/>
+          <a:p>
+            <a:pPr algn="ctr"/>
+            <a:endParaRPr lang="ko-KR" altLang="en-US"/>
+          </a:p>
+        </p:txBody>
+      </p:sp>
     </p:spTree>
     <p:extLst>
       <p:ext uri="{BB962C8B-B14F-4D97-AF65-F5344CB8AC3E}">
@@ -7579,6 +7659,46 @@
           </a:prstGeom>
         </p:spPr>
       </p:pic>
+      <p:sp>
+        <p:nvSpPr>
+          <p:cNvPr id="26" name="직사각형 25"/>
+          <p:cNvSpPr/>
+          <p:nvPr/>
+        </p:nvSpPr>
+        <p:spPr>
+          <a:xfrm>
+            <a:off x="5397357" y="2648672"/>
+            <a:ext cx="1473485" cy="321513"/>
+          </a:xfrm>
+          <a:prstGeom prst="rect">
+            <a:avLst/>
+          </a:prstGeom>
+        </p:spPr>
+        <p:style>
+          <a:lnRef idx="2">
+            <a:schemeClr val="dk1">
+              <a:shade val="50000"/>
+            </a:schemeClr>
+          </a:lnRef>
+          <a:fillRef idx="1">
+            <a:schemeClr val="dk1"/>
+          </a:fillRef>
+          <a:effectRef idx="0">
+            <a:schemeClr val="dk1"/>
+          </a:effectRef>
+          <a:fontRef idx="minor">
+            <a:schemeClr val="lt1"/>
+          </a:fontRef>
+        </p:style>
+        <p:txBody>
+          <a:bodyPr rtlCol="0" anchor="ctr"/>
+          <a:lstStyle/>
+          <a:p>
+            <a:pPr algn="ctr"/>
+            <a:endParaRPr lang="ko-KR" altLang="en-US"/>
+          </a:p>
+        </p:txBody>
+      </p:sp>
     </p:spTree>
     <p:extLst>
       <p:ext uri="{BB962C8B-B14F-4D97-AF65-F5344CB8AC3E}">
